--- a/Project 1 presentation.pptx
+++ b/Project 1 presentation.pptx
@@ -3126,7 +3126,14 @@
           <a:p>
             <a:r>
               <a:rPr lang="en-US" dirty="0" smtClean="0"/>
-              <a:t>Project 1 presentation</a:t>
+              <a:t>An overview of the SAT and ACT</a:t>
+            </a:r>
+            <a:br>
+              <a:rPr lang="en-US" dirty="0" smtClean="0"/>
+            </a:br>
+            <a:r>
+              <a:rPr lang="en-US" dirty="0" smtClean="0"/>
+              <a:t>(2017 – 2018)</a:t>
             </a:r>
             <a:endParaRPr lang="en-US" dirty="0"/>
           </a:p>
@@ -3193,10 +3200,16 @@
         </p:nvSpPr>
         <p:spPr/>
         <p:txBody>
-          <a:bodyPr/>
-          <a:lstStyle/>
-          <a:p>
-            <a:endParaRPr lang="en-US"/>
+          <a:bodyPr>
+            <a:normAutofit fontScale="90000"/>
+          </a:bodyPr>
+          <a:lstStyle/>
+          <a:p>
+            <a:r>
+              <a:rPr lang="en-US" dirty="0" smtClean="0"/>
+              <a:t>Comparing ACT scores for each state for 2017 and 2018</a:t>
+            </a:r>
+            <a:endParaRPr lang="en-US" dirty="0"/>
           </a:p>
         </p:txBody>
       </p:sp>
@@ -3298,10 +3311,16 @@
         </p:nvSpPr>
         <p:spPr/>
         <p:txBody>
-          <a:bodyPr/>
-          <a:lstStyle/>
-          <a:p>
-            <a:endParaRPr lang="en-US"/>
+          <a:bodyPr>
+            <a:normAutofit fontScale="90000"/>
+          </a:bodyPr>
+          <a:lstStyle/>
+          <a:p>
+            <a:r>
+              <a:rPr lang="en-US" dirty="0" smtClean="0"/>
+              <a:t>Observing patterns between the data</a:t>
+            </a:r>
+            <a:endParaRPr lang="en-US" dirty="0"/>
           </a:p>
         </p:txBody>
       </p:sp>
@@ -3330,8 +3349,8 @@
         </p:blipFill>
         <p:spPr bwMode="auto">
           <a:xfrm>
-            <a:off x="2309018" y="1600200"/>
-            <a:ext cx="4525963" cy="4525963"/>
+            <a:off x="762000" y="1219200"/>
+            <a:ext cx="5334000" cy="5334000"/>
           </a:xfrm>
           <a:prstGeom prst="rect">
             <a:avLst/>
@@ -3361,6 +3380,36 @@
           </a:extLst>
         </p:spPr>
       </p:pic>
+      <p:sp>
+        <p:nvSpPr>
+          <p:cNvPr id="3" name="TextBox 2"/>
+          <p:cNvSpPr txBox="1"/>
+          <p:nvPr/>
+        </p:nvSpPr>
+        <p:spPr>
+          <a:xfrm>
+            <a:off x="6629400" y="1676400"/>
+            <a:ext cx="1905000" cy="923330"/>
+          </a:xfrm>
+          <a:prstGeom prst="rect">
+            <a:avLst/>
+          </a:prstGeom>
+          <a:noFill/>
+        </p:spPr>
+        <p:txBody>
+          <a:bodyPr wrap="square" rtlCol="0">
+            <a:spAutoFit/>
+          </a:bodyPr>
+          <a:lstStyle/>
+          <a:p>
+            <a:r>
+              <a:rPr lang="en-US" dirty="0" smtClean="0"/>
+              <a:t>Noticeable pattern of correlation</a:t>
+            </a:r>
+            <a:endParaRPr lang="en-US" dirty="0"/>
+          </a:p>
+        </p:txBody>
+      </p:sp>
     </p:spTree>
     <p:extLst>
       <p:ext uri="{BB962C8B-B14F-4D97-AF65-F5344CB8AC3E}">
@@ -3406,7 +3455,11 @@
           <a:bodyPr/>
           <a:lstStyle/>
           <a:p>
-            <a:endParaRPr lang="en-US"/>
+            <a:r>
+              <a:rPr lang="en-US" dirty="0" smtClean="0"/>
+              <a:t>Noticeable trends</a:t>
+            </a:r>
+            <a:endParaRPr lang="en-US" dirty="0"/>
           </a:p>
         </p:txBody>
       </p:sp>
@@ -3435,8 +3488,8 @@
         </p:blipFill>
         <p:spPr bwMode="auto">
           <a:xfrm>
-            <a:off x="2309018" y="1600200"/>
-            <a:ext cx="4525963" cy="4525963"/>
+            <a:off x="381000" y="1371600"/>
+            <a:ext cx="5181600" cy="5181600"/>
           </a:xfrm>
           <a:prstGeom prst="rect">
             <a:avLst/>
@@ -3466,6 +3519,36 @@
           </a:extLst>
         </p:spPr>
       </p:pic>
+      <p:sp>
+        <p:nvSpPr>
+          <p:cNvPr id="3" name="TextBox 2"/>
+          <p:cNvSpPr txBox="1"/>
+          <p:nvPr/>
+        </p:nvSpPr>
+        <p:spPr>
+          <a:xfrm>
+            <a:off x="6096000" y="2133600"/>
+            <a:ext cx="2819400" cy="646331"/>
+          </a:xfrm>
+          <a:prstGeom prst="rect">
+            <a:avLst/>
+          </a:prstGeom>
+          <a:noFill/>
+        </p:spPr>
+        <p:txBody>
+          <a:bodyPr wrap="square" rtlCol="0">
+            <a:spAutoFit/>
+          </a:bodyPr>
+          <a:lstStyle/>
+          <a:p>
+            <a:r>
+              <a:rPr lang="en-US" dirty="0" smtClean="0"/>
+              <a:t>Trend observed between act and sat participation</a:t>
+            </a:r>
+            <a:endParaRPr lang="en-US" dirty="0"/>
+          </a:p>
+        </p:txBody>
+      </p:sp>
     </p:spTree>
     <p:extLst>
       <p:ext uri="{BB962C8B-B14F-4D97-AF65-F5344CB8AC3E}">
@@ -3508,10 +3591,23 @@
         </p:nvSpPr>
         <p:spPr/>
         <p:txBody>
-          <a:bodyPr/>
-          <a:lstStyle/>
-          <a:p>
-            <a:endParaRPr lang="en-US"/>
+          <a:bodyPr>
+            <a:normAutofit fontScale="90000"/>
+          </a:bodyPr>
+          <a:lstStyle/>
+          <a:p>
+            <a:r>
+              <a:rPr lang="en-US" dirty="0" smtClean="0"/>
+              <a:t>SAT and ACT participation rate</a:t>
+            </a:r>
+            <a:br>
+              <a:rPr lang="en-US" dirty="0" smtClean="0"/>
+            </a:br>
+            <a:r>
+              <a:rPr lang="en-US" dirty="0" smtClean="0"/>
+              <a:t>(with population size)</a:t>
+            </a:r>
+            <a:endParaRPr lang="en-US" dirty="0"/>
           </a:p>
         </p:txBody>
       </p:sp>
@@ -3540,7 +3636,7 @@
         </p:blipFill>
         <p:spPr bwMode="auto">
           <a:xfrm>
-            <a:off x="1177528" y="1600200"/>
+            <a:off x="228600" y="1447800"/>
             <a:ext cx="6788944" cy="4525963"/>
           </a:xfrm>
           <a:prstGeom prst="rect">
@@ -3571,6 +3667,36 @@
           </a:extLst>
         </p:spPr>
       </p:pic>
+      <p:sp>
+        <p:nvSpPr>
+          <p:cNvPr id="3" name="TextBox 2"/>
+          <p:cNvSpPr txBox="1"/>
+          <p:nvPr/>
+        </p:nvSpPr>
+        <p:spPr>
+          <a:xfrm>
+            <a:off x="6858000" y="2209800"/>
+            <a:ext cx="1905000" cy="923330"/>
+          </a:xfrm>
+          <a:prstGeom prst="rect">
+            <a:avLst/>
+          </a:prstGeom>
+          <a:noFill/>
+        </p:spPr>
+        <p:txBody>
+          <a:bodyPr wrap="square" rtlCol="0">
+            <a:spAutoFit/>
+          </a:bodyPr>
+          <a:lstStyle/>
+          <a:p>
+            <a:r>
+              <a:rPr lang="en-US" dirty="0" smtClean="0"/>
+              <a:t>Size of dot indicates population size</a:t>
+            </a:r>
+            <a:endParaRPr lang="en-US" dirty="0"/>
+          </a:p>
+        </p:txBody>
+      </p:sp>
     </p:spTree>
     <p:extLst>
       <p:ext uri="{BB962C8B-B14F-4D97-AF65-F5344CB8AC3E}">
@@ -3613,10 +3739,23 @@
         </p:nvSpPr>
         <p:spPr/>
         <p:txBody>
-          <a:bodyPr/>
-          <a:lstStyle/>
-          <a:p>
-            <a:endParaRPr lang="en-US"/>
+          <a:bodyPr>
+            <a:normAutofit fontScale="90000"/>
+          </a:bodyPr>
+          <a:lstStyle/>
+          <a:p>
+            <a:r>
+              <a:rPr lang="en-US" dirty="0" smtClean="0"/>
+              <a:t>SAT and ACT test scores</a:t>
+            </a:r>
+            <a:br>
+              <a:rPr lang="en-US" dirty="0" smtClean="0"/>
+            </a:br>
+            <a:r>
+              <a:rPr lang="en-US" dirty="0" smtClean="0"/>
+              <a:t>(with population size)</a:t>
+            </a:r>
+            <a:endParaRPr lang="en-US" dirty="0"/>
           </a:p>
         </p:txBody>
       </p:sp>
@@ -3645,7 +3784,7 @@
         </p:blipFill>
         <p:spPr bwMode="auto">
           <a:xfrm>
-            <a:off x="381000" y="1905000"/>
+            <a:off x="228600" y="1828800"/>
             <a:ext cx="8229600" cy="3840480"/>
           </a:xfrm>
           <a:prstGeom prst="rect">
@@ -3721,7 +3860,11 @@
           <a:bodyPr/>
           <a:lstStyle/>
           <a:p>
-            <a:endParaRPr lang="en-US"/>
+            <a:r>
+              <a:rPr lang="en-US" dirty="0" smtClean="0"/>
+              <a:t>Hypothesis Testing</a:t>
+            </a:r>
+            <a:endParaRPr lang="en-US" dirty="0"/>
           </a:p>
         </p:txBody>
       </p:sp>
@@ -3739,6 +3882,28 @@
         <p:txBody>
           <a:bodyPr/>
           <a:lstStyle/>
+          <a:p>
+            <a:r>
+              <a:rPr lang="en-US" dirty="0" smtClean="0"/>
+              <a:t>SAT math scores found to be significantly different from SAT reading scores</a:t>
+            </a:r>
+          </a:p>
+          <a:p>
+            <a:r>
+              <a:rPr lang="en-US" dirty="0" smtClean="0"/>
+              <a:t>Same observed in ACT </a:t>
+            </a:r>
+          </a:p>
+          <a:p>
+            <a:r>
+              <a:rPr lang="en-US" dirty="0" smtClean="0"/>
+              <a:t>Test scores between each year was not </a:t>
+            </a:r>
+            <a:r>
+              <a:rPr lang="en-US" smtClean="0"/>
+              <a:t>significantly different</a:t>
+            </a:r>
+          </a:p>
           <a:p>
             <a:endParaRPr lang="en-US"/>
           </a:p>
@@ -3786,9 +3951,15 @@
         </p:nvSpPr>
         <p:spPr/>
         <p:txBody>
-          <a:bodyPr/>
-          <a:lstStyle/>
-          <a:p>
+          <a:bodyPr>
+            <a:normAutofit fontScale="90000"/>
+          </a:bodyPr>
+          <a:lstStyle/>
+          <a:p>
+            <a:r>
+              <a:rPr lang="en-US" dirty="0" smtClean="0"/>
+              <a:t>Comparing SAT 2017 scores to participation rate</a:t>
+            </a:r>
             <a:endParaRPr lang="en-US" dirty="0"/>
           </a:p>
         </p:txBody>
@@ -3818,7 +3989,7 @@
         </p:blipFill>
         <p:spPr bwMode="auto">
           <a:xfrm>
-            <a:off x="1177528" y="1600200"/>
+            <a:off x="76200" y="1447800"/>
             <a:ext cx="6788944" cy="4525963"/>
           </a:xfrm>
           <a:prstGeom prst="rect">
@@ -3849,6 +4020,36 @@
           </a:extLst>
         </p:spPr>
       </p:pic>
+      <p:sp>
+        <p:nvSpPr>
+          <p:cNvPr id="4" name="TextBox 3"/>
+          <p:cNvSpPr txBox="1"/>
+          <p:nvPr/>
+        </p:nvSpPr>
+        <p:spPr>
+          <a:xfrm>
+            <a:off x="7086600" y="1676400"/>
+            <a:ext cx="1828800" cy="1477328"/>
+          </a:xfrm>
+          <a:prstGeom prst="rect">
+            <a:avLst/>
+          </a:prstGeom>
+          <a:noFill/>
+        </p:spPr>
+        <p:txBody>
+          <a:bodyPr wrap="square" rtlCol="0">
+            <a:spAutoFit/>
+          </a:bodyPr>
+          <a:lstStyle/>
+          <a:p>
+            <a:r>
+              <a:rPr lang="en-US" dirty="0" smtClean="0"/>
+              <a:t>Scores seem to be skewed to the left and right of the graph respectively.</a:t>
+            </a:r>
+            <a:endParaRPr lang="en-US" dirty="0"/>
+          </a:p>
+        </p:txBody>
+      </p:sp>
     </p:spTree>
     <p:extLst>
       <p:ext uri="{BB962C8B-B14F-4D97-AF65-F5344CB8AC3E}">
@@ -3891,10 +4092,16 @@
         </p:nvSpPr>
         <p:spPr/>
         <p:txBody>
-          <a:bodyPr/>
-          <a:lstStyle/>
-          <a:p>
-            <a:endParaRPr lang="en-US"/>
+          <a:bodyPr>
+            <a:normAutofit fontScale="90000"/>
+          </a:bodyPr>
+          <a:lstStyle/>
+          <a:p>
+            <a:r>
+              <a:rPr lang="en-US" dirty="0" smtClean="0"/>
+              <a:t>Comparing SAT scores to ACT scores</a:t>
+            </a:r>
+            <a:endParaRPr lang="en-US" dirty="0"/>
           </a:p>
         </p:txBody>
       </p:sp>
@@ -3923,8 +4130,8 @@
         </p:blipFill>
         <p:spPr bwMode="auto">
           <a:xfrm>
-            <a:off x="2309018" y="1600200"/>
-            <a:ext cx="4525963" cy="4525963"/>
+            <a:off x="609600" y="1447800"/>
+            <a:ext cx="5211763" cy="5211763"/>
           </a:xfrm>
           <a:prstGeom prst="rect">
             <a:avLst/>
@@ -3954,6 +4161,70 @@
           </a:extLst>
         </p:spPr>
       </p:pic>
+      <p:sp>
+        <p:nvSpPr>
+          <p:cNvPr id="3" name="TextBox 2"/>
+          <p:cNvSpPr txBox="1"/>
+          <p:nvPr/>
+        </p:nvSpPr>
+        <p:spPr>
+          <a:xfrm>
+            <a:off x="6172200" y="1676400"/>
+            <a:ext cx="2590800" cy="3416320"/>
+          </a:xfrm>
+          <a:prstGeom prst="rect">
+            <a:avLst/>
+          </a:prstGeom>
+          <a:noFill/>
+        </p:spPr>
+        <p:txBody>
+          <a:bodyPr wrap="square" rtlCol="0">
+            <a:spAutoFit/>
+          </a:bodyPr>
+          <a:lstStyle/>
+          <a:p>
+            <a:r>
+              <a:rPr lang="en-US" dirty="0" smtClean="0"/>
+              <a:t>Clear correlation between SAT 2017 and SAT 2018 total score.</a:t>
+            </a:r>
+          </a:p>
+          <a:p>
+            <a:endParaRPr lang="en-US" dirty="0"/>
+          </a:p>
+          <a:p>
+            <a:r>
+              <a:rPr lang="en-US" dirty="0" smtClean="0"/>
+              <a:t>This is also seen in the ACT </a:t>
+            </a:r>
+            <a:r>
+              <a:rPr lang="en-US" dirty="0"/>
+              <a:t>2017 and </a:t>
+            </a:r>
+            <a:r>
+              <a:rPr lang="en-US" dirty="0" smtClean="0"/>
+              <a:t>ACT </a:t>
+            </a:r>
+            <a:r>
+              <a:rPr lang="en-US" dirty="0"/>
+              <a:t>2018 total </a:t>
+            </a:r>
+            <a:r>
+              <a:rPr lang="en-US" dirty="0" smtClean="0"/>
+              <a:t>score</a:t>
+            </a:r>
+          </a:p>
+          <a:p>
+            <a:endParaRPr lang="en-US" dirty="0"/>
+          </a:p>
+          <a:p>
+            <a:r>
+              <a:rPr lang="en-US" dirty="0" smtClean="0"/>
+              <a:t>A somewhat negative correlation can be seen between ACT and SAT test scores</a:t>
+            </a:r>
+            <a:endParaRPr lang="en-US" dirty="0"/>
+          </a:p>
+        </p:txBody>
+      </p:sp>
     </p:spTree>
     <p:extLst>
       <p:ext uri="{BB962C8B-B14F-4D97-AF65-F5344CB8AC3E}">
@@ -3996,10 +4267,16 @@
         </p:nvSpPr>
         <p:spPr/>
         <p:txBody>
-          <a:bodyPr/>
-          <a:lstStyle/>
-          <a:p>
-            <a:endParaRPr lang="en-US"/>
+          <a:bodyPr>
+            <a:normAutofit fontScale="90000"/>
+          </a:bodyPr>
+          <a:lstStyle/>
+          <a:p>
+            <a:r>
+              <a:rPr lang="en-US" dirty="0" smtClean="0"/>
+              <a:t>Comparing SAT and ACT participation rate</a:t>
+            </a:r>
+            <a:endParaRPr lang="en-US" dirty="0"/>
           </a:p>
         </p:txBody>
       </p:sp>
@@ -4028,7 +4305,7 @@
         </p:blipFill>
         <p:spPr bwMode="auto">
           <a:xfrm>
-            <a:off x="457200" y="1942941"/>
+            <a:off x="10160" y="1371600"/>
             <a:ext cx="8229600" cy="3840480"/>
           </a:xfrm>
           <a:prstGeom prst="rect">
@@ -4046,6 +4323,36 @@
           </a:extLst>
         </p:spPr>
       </p:pic>
+      <p:sp>
+        <p:nvSpPr>
+          <p:cNvPr id="3" name="TextBox 2"/>
+          <p:cNvSpPr txBox="1"/>
+          <p:nvPr/>
+        </p:nvSpPr>
+        <p:spPr>
+          <a:xfrm>
+            <a:off x="685800" y="5257800"/>
+            <a:ext cx="6324600" cy="369332"/>
+          </a:xfrm>
+          <a:prstGeom prst="rect">
+            <a:avLst/>
+          </a:prstGeom>
+          <a:noFill/>
+        </p:spPr>
+        <p:txBody>
+          <a:bodyPr wrap="square" rtlCol="0">
+            <a:spAutoFit/>
+          </a:bodyPr>
+          <a:lstStyle/>
+          <a:p>
+            <a:r>
+              <a:rPr lang="en-US" dirty="0" smtClean="0"/>
+              <a:t>SAT 2018 interquartile range has increased from SAT 2017</a:t>
+            </a:r>
+            <a:endParaRPr lang="en-US" dirty="0"/>
+          </a:p>
+        </p:txBody>
+      </p:sp>
     </p:spTree>
     <p:extLst>
       <p:ext uri="{BB962C8B-B14F-4D97-AF65-F5344CB8AC3E}">
@@ -4088,10 +4395,16 @@
         </p:nvSpPr>
         <p:spPr/>
         <p:txBody>
-          <a:bodyPr/>
-          <a:lstStyle/>
-          <a:p>
-            <a:endParaRPr lang="en-US"/>
+          <a:bodyPr>
+            <a:normAutofit fontScale="90000"/>
+          </a:bodyPr>
+          <a:lstStyle/>
+          <a:p>
+            <a:r>
+              <a:rPr lang="en-US" dirty="0" smtClean="0"/>
+              <a:t>Comparing 2017 SAT to 2018 SAT scores</a:t>
+            </a:r>
+            <a:endParaRPr lang="en-US" dirty="0"/>
           </a:p>
         </p:txBody>
       </p:sp>
@@ -4120,7 +4433,7 @@
         </p:blipFill>
         <p:spPr bwMode="auto">
           <a:xfrm>
-            <a:off x="457200" y="1942941"/>
+            <a:off x="304800" y="1524000"/>
             <a:ext cx="8229600" cy="3840480"/>
           </a:xfrm>
           <a:prstGeom prst="rect">
@@ -4180,10 +4493,16 @@
         </p:nvSpPr>
         <p:spPr/>
         <p:txBody>
-          <a:bodyPr/>
-          <a:lstStyle/>
-          <a:p>
-            <a:endParaRPr lang="en-US"/>
+          <a:bodyPr>
+            <a:normAutofit fontScale="90000"/>
+          </a:bodyPr>
+          <a:lstStyle/>
+          <a:p>
+            <a:r>
+              <a:rPr lang="en-US" dirty="0" smtClean="0"/>
+              <a:t>Comparing ACT 2017 to ACT 2018 scores</a:t>
+            </a:r>
+            <a:endParaRPr lang="en-US" dirty="0"/>
           </a:p>
         </p:txBody>
       </p:sp>
@@ -4212,7 +4531,7 @@
         </p:blipFill>
         <p:spPr bwMode="auto">
           <a:xfrm>
-            <a:off x="457200" y="1942941"/>
+            <a:off x="533400" y="1447800"/>
             <a:ext cx="8229600" cy="3840480"/>
           </a:xfrm>
           <a:prstGeom prst="rect">
@@ -4230,6 +4549,36 @@
           </a:extLst>
         </p:spPr>
       </p:pic>
+      <p:sp>
+        <p:nvSpPr>
+          <p:cNvPr id="3" name="TextBox 2"/>
+          <p:cNvSpPr txBox="1"/>
+          <p:nvPr/>
+        </p:nvSpPr>
+        <p:spPr>
+          <a:xfrm>
+            <a:off x="1143000" y="5486400"/>
+            <a:ext cx="7010400" cy="369332"/>
+          </a:xfrm>
+          <a:prstGeom prst="rect">
+            <a:avLst/>
+          </a:prstGeom>
+          <a:noFill/>
+        </p:spPr>
+        <p:txBody>
+          <a:bodyPr wrap="square" rtlCol="0">
+            <a:spAutoFit/>
+          </a:bodyPr>
+          <a:lstStyle/>
+          <a:p>
+            <a:r>
+              <a:rPr lang="en-US" dirty="0" smtClean="0"/>
+              <a:t>ACT scores for reading  seem to be consistently better than the rest</a:t>
+            </a:r>
+            <a:endParaRPr lang="en-US" dirty="0"/>
+          </a:p>
+        </p:txBody>
+      </p:sp>
     </p:spTree>
     <p:extLst>
       <p:ext uri="{BB962C8B-B14F-4D97-AF65-F5344CB8AC3E}">
@@ -4275,7 +4624,11 @@
           <a:bodyPr/>
           <a:lstStyle/>
           <a:p>
-            <a:endParaRPr lang="en-US"/>
+            <a:r>
+              <a:rPr lang="en-US" dirty="0" smtClean="0"/>
+              <a:t>SAT score distribution</a:t>
+            </a:r>
+            <a:endParaRPr lang="en-US" dirty="0"/>
           </a:p>
         </p:txBody>
       </p:sp>
@@ -4304,7 +4657,7 @@
         </p:blipFill>
         <p:spPr bwMode="auto">
           <a:xfrm>
-            <a:off x="2309018" y="1600200"/>
+            <a:off x="685800" y="1524000"/>
             <a:ext cx="4525963" cy="4525963"/>
           </a:xfrm>
           <a:prstGeom prst="rect">
@@ -4335,6 +4688,36 @@
           </a:extLst>
         </p:spPr>
       </p:pic>
+      <p:sp>
+        <p:nvSpPr>
+          <p:cNvPr id="3" name="TextBox 2"/>
+          <p:cNvSpPr txBox="1"/>
+          <p:nvPr/>
+        </p:nvSpPr>
+        <p:spPr>
+          <a:xfrm>
+            <a:off x="5410200" y="1524000"/>
+            <a:ext cx="2971800" cy="923330"/>
+          </a:xfrm>
+          <a:prstGeom prst="rect">
+            <a:avLst/>
+          </a:prstGeom>
+          <a:noFill/>
+        </p:spPr>
+        <p:txBody>
+          <a:bodyPr wrap="square" rtlCol="0">
+            <a:spAutoFit/>
+          </a:bodyPr>
+          <a:lstStyle/>
+          <a:p>
+            <a:r>
+              <a:rPr lang="en-US" dirty="0" smtClean="0"/>
+              <a:t>A somewhat normal distribution can be observed for SAT test scores</a:t>
+            </a:r>
+            <a:endParaRPr lang="en-US" dirty="0"/>
+          </a:p>
+        </p:txBody>
+      </p:sp>
     </p:spTree>
     <p:extLst>
       <p:ext uri="{BB962C8B-B14F-4D97-AF65-F5344CB8AC3E}">
@@ -4380,7 +4763,11 @@
           <a:bodyPr/>
           <a:lstStyle/>
           <a:p>
-            <a:endParaRPr lang="en-US"/>
+            <a:r>
+              <a:rPr lang="en-US" dirty="0" smtClean="0"/>
+              <a:t>ACT score distribution</a:t>
+            </a:r>
+            <a:endParaRPr lang="en-US" dirty="0"/>
           </a:p>
         </p:txBody>
       </p:sp>
@@ -4409,7 +4796,7 @@
         </p:blipFill>
         <p:spPr bwMode="auto">
           <a:xfrm>
-            <a:off x="2309018" y="1600200"/>
+            <a:off x="685800" y="1600200"/>
             <a:ext cx="4525963" cy="4525963"/>
           </a:xfrm>
           <a:prstGeom prst="rect">
@@ -4440,6 +4827,43 @@
           </a:extLst>
         </p:spPr>
       </p:pic>
+      <p:sp>
+        <p:nvSpPr>
+          <p:cNvPr id="4" name="Rectangle 3"/>
+          <p:cNvSpPr/>
+          <p:nvPr/>
+        </p:nvSpPr>
+        <p:spPr>
+          <a:xfrm>
+            <a:off x="5715000" y="1752600"/>
+            <a:ext cx="2743200" cy="1200329"/>
+          </a:xfrm>
+          <a:prstGeom prst="rect">
+            <a:avLst/>
+          </a:prstGeom>
+        </p:spPr>
+        <p:txBody>
+          <a:bodyPr wrap="square">
+            <a:spAutoFit/>
+          </a:bodyPr>
+          <a:lstStyle/>
+          <a:p>
+            <a:r>
+              <a:rPr lang="en-US" dirty="0"/>
+              <a:t>A somewhat normal distribution can be observed for </a:t>
+            </a:r>
+            <a:r>
+              <a:rPr lang="en-US" dirty="0" smtClean="0"/>
+              <a:t>ACT </a:t>
+            </a:r>
+            <a:r>
+              <a:rPr lang="en-US" dirty="0"/>
+              <a:t>test scores</a:t>
+            </a:r>
+            <a:endParaRPr lang="en-US" dirty="0"/>
+          </a:p>
+        </p:txBody>
+      </p:sp>
     </p:spTree>
     <p:extLst>
       <p:ext uri="{BB962C8B-B14F-4D97-AF65-F5344CB8AC3E}">
@@ -4482,10 +4906,16 @@
         </p:nvSpPr>
         <p:spPr/>
         <p:txBody>
-          <a:bodyPr/>
-          <a:lstStyle/>
-          <a:p>
-            <a:endParaRPr lang="en-US"/>
+          <a:bodyPr>
+            <a:normAutofit fontScale="90000"/>
+          </a:bodyPr>
+          <a:lstStyle/>
+          <a:p>
+            <a:r>
+              <a:rPr lang="en-US" dirty="0" smtClean="0"/>
+              <a:t>Comparing total SAT scores for each state for 2017 and 2018</a:t>
+            </a:r>
+            <a:endParaRPr lang="en-US" dirty="0"/>
           </a:p>
         </p:txBody>
       </p:sp>
@@ -4514,7 +4944,7 @@
         </p:blipFill>
         <p:spPr bwMode="auto">
           <a:xfrm>
-            <a:off x="457200" y="1668621"/>
+            <a:off x="304800" y="1600200"/>
             <a:ext cx="8229600" cy="4389120"/>
           </a:xfrm>
           <a:prstGeom prst="rect">
